--- a/202_project.pptx
+++ b/202_project.pptx
@@ -203,7 +203,7 @@
           <a:p>
             <a:fld id="{DDA61B6D-FF76-4B9A-8B7C-EFE742377EF2}" type="datetimeFigureOut">
               <a:rPr lang="en-US" smtClean="0"/>
-              <a:t>10/29/2020</a:t>
+              <a:t>12/13/2020</a:t>
             </a:fld>
             <a:endParaRPr lang="en-US"/>
           </a:p>
@@ -617,7 +617,7 @@
           <a:p>
             <a:fld id="{66F96F98-DC58-4E32-9CEE-8B801C4936EC}" type="datetimeFigureOut">
               <a:rPr lang="en-US" smtClean="0"/>
-              <a:t>10/29/2020</a:t>
+              <a:t>12/13/2020</a:t>
             </a:fld>
             <a:endParaRPr lang="en-US"/>
           </a:p>
@@ -815,7 +815,7 @@
           <a:p>
             <a:fld id="{66F96F98-DC58-4E32-9CEE-8B801C4936EC}" type="datetimeFigureOut">
               <a:rPr lang="en-US" smtClean="0"/>
-              <a:t>10/29/2020</a:t>
+              <a:t>12/13/2020</a:t>
             </a:fld>
             <a:endParaRPr lang="en-US"/>
           </a:p>
@@ -1023,7 +1023,7 @@
           <a:p>
             <a:fld id="{66F96F98-DC58-4E32-9CEE-8B801C4936EC}" type="datetimeFigureOut">
               <a:rPr lang="en-US" smtClean="0"/>
-              <a:t>10/29/2020</a:t>
+              <a:t>12/13/2020</a:t>
             </a:fld>
             <a:endParaRPr lang="en-US"/>
           </a:p>
@@ -1221,7 +1221,7 @@
           <a:p>
             <a:fld id="{66F96F98-DC58-4E32-9CEE-8B801C4936EC}" type="datetimeFigureOut">
               <a:rPr lang="en-US" smtClean="0"/>
-              <a:t>10/29/2020</a:t>
+              <a:t>12/13/2020</a:t>
             </a:fld>
             <a:endParaRPr lang="en-US"/>
           </a:p>
@@ -1496,7 +1496,7 @@
           <a:p>
             <a:fld id="{66F96F98-DC58-4E32-9CEE-8B801C4936EC}" type="datetimeFigureOut">
               <a:rPr lang="en-US" smtClean="0"/>
-              <a:t>10/29/2020</a:t>
+              <a:t>12/13/2020</a:t>
             </a:fld>
             <a:endParaRPr lang="en-US"/>
           </a:p>
@@ -1761,7 +1761,7 @@
           <a:p>
             <a:fld id="{66F96F98-DC58-4E32-9CEE-8B801C4936EC}" type="datetimeFigureOut">
               <a:rPr lang="en-US" smtClean="0"/>
-              <a:t>10/29/2020</a:t>
+              <a:t>12/13/2020</a:t>
             </a:fld>
             <a:endParaRPr lang="en-US"/>
           </a:p>
@@ -2173,7 +2173,7 @@
           <a:p>
             <a:fld id="{66F96F98-DC58-4E32-9CEE-8B801C4936EC}" type="datetimeFigureOut">
               <a:rPr lang="en-US" smtClean="0"/>
-              <a:t>10/29/2020</a:t>
+              <a:t>12/13/2020</a:t>
             </a:fld>
             <a:endParaRPr lang="en-US"/>
           </a:p>
@@ -2314,7 +2314,7 @@
           <a:p>
             <a:fld id="{66F96F98-DC58-4E32-9CEE-8B801C4936EC}" type="datetimeFigureOut">
               <a:rPr lang="en-US" smtClean="0"/>
-              <a:t>10/29/2020</a:t>
+              <a:t>12/13/2020</a:t>
             </a:fld>
             <a:endParaRPr lang="en-US"/>
           </a:p>
@@ -2427,7 +2427,7 @@
           <a:p>
             <a:fld id="{66F96F98-DC58-4E32-9CEE-8B801C4936EC}" type="datetimeFigureOut">
               <a:rPr lang="en-US" smtClean="0"/>
-              <a:t>10/29/2020</a:t>
+              <a:t>12/13/2020</a:t>
             </a:fld>
             <a:endParaRPr lang="en-US"/>
           </a:p>
@@ -2738,7 +2738,7 @@
           <a:p>
             <a:fld id="{66F96F98-DC58-4E32-9CEE-8B801C4936EC}" type="datetimeFigureOut">
               <a:rPr lang="en-US" smtClean="0"/>
-              <a:t>10/29/2020</a:t>
+              <a:t>12/13/2020</a:t>
             </a:fld>
             <a:endParaRPr lang="en-US"/>
           </a:p>
@@ -3026,7 +3026,7 @@
           <a:p>
             <a:fld id="{66F96F98-DC58-4E32-9CEE-8B801C4936EC}" type="datetimeFigureOut">
               <a:rPr lang="en-US" smtClean="0"/>
-              <a:t>10/29/2020</a:t>
+              <a:t>12/13/2020</a:t>
             </a:fld>
             <a:endParaRPr lang="en-US"/>
           </a:p>
@@ -3267,7 +3267,7 @@
           <a:p>
             <a:fld id="{66F96F98-DC58-4E32-9CEE-8B801C4936EC}" type="datetimeFigureOut">
               <a:rPr lang="en-US" smtClean="0"/>
-              <a:t>10/29/2020</a:t>
+              <a:t>12/13/2020</a:t>
             </a:fld>
             <a:endParaRPr lang="en-US"/>
           </a:p>
@@ -3987,53 +3987,6 @@
           </a:p>
         </p:txBody>
       </p:sp>
-      <p:pic>
-        <p:nvPicPr>
-          <p:cNvPr id="1028" name="Picture 4" descr="OpenMV Cam M7 | OpenMV">
-            <a:extLst>
-              <a:ext uri="{FF2B5EF4-FFF2-40B4-BE49-F238E27FC236}">
-                <a16:creationId xmlns:a16="http://schemas.microsoft.com/office/drawing/2014/main" id="{9F1A9532-07A3-4F78-8FFE-06FAF3464F84}"/>
-              </a:ext>
-            </a:extLst>
-          </p:cNvPr>
-          <p:cNvPicPr>
-            <a:picLocks noChangeAspect="1" noChangeArrowheads="1"/>
-          </p:cNvPicPr>
-          <p:nvPr/>
-        </p:nvPicPr>
-        <p:blipFill>
-          <a:blip r:embed="rId3">
-            <a:extLst>
-              <a:ext uri="{28A0092B-C50C-407E-A947-70E740481C1C}">
-                <a14:useLocalDpi xmlns:a14="http://schemas.microsoft.com/office/drawing/2010/main" val="0"/>
-              </a:ext>
-            </a:extLst>
-          </a:blip>
-          <a:srcRect/>
-          <a:stretch>
-            <a:fillRect/>
-          </a:stretch>
-        </p:blipFill>
-        <p:spPr bwMode="auto">
-          <a:xfrm rot="13479804">
-            <a:off x="9147856" y="1692804"/>
-            <a:ext cx="877960" cy="877960"/>
-          </a:xfrm>
-          <a:prstGeom prst="rect">
-            <a:avLst/>
-          </a:prstGeom>
-          <a:noFill/>
-          <a:extLst>
-            <a:ext uri="{909E8E84-426E-40DD-AFC4-6F175D3DCCD1}">
-              <a14:hiddenFill xmlns:a14="http://schemas.microsoft.com/office/drawing/2010/main">
-                <a:solidFill>
-                  <a:srgbClr val="FFFFFF"/>
-                </a:solidFill>
-              </a14:hiddenFill>
-            </a:ext>
-          </a:extLst>
-        </p:spPr>
-      </p:pic>
       <p:graphicFrame>
         <p:nvGraphicFramePr>
           <p:cNvPr id="6" name="Table 6">
@@ -5195,7 +5148,7 @@
           <p:nvPr/>
         </p:nvPicPr>
         <p:blipFill>
-          <a:blip r:embed="rId4">
+          <a:blip r:embed="rId3">
             <a:extLst>
               <a:ext uri="{28A0092B-C50C-407E-A947-70E740481C1C}">
                 <a14:useLocalDpi xmlns:a14="http://schemas.microsoft.com/office/drawing/2010/main" val="0"/>
@@ -5242,7 +5195,7 @@
           <p:nvPr/>
         </p:nvPicPr>
         <p:blipFill>
-          <a:blip r:embed="rId5">
+          <a:blip r:embed="rId4">
             <a:extLst>
               <a:ext uri="{28A0092B-C50C-407E-A947-70E740481C1C}">
                 <a14:useLocalDpi xmlns:a14="http://schemas.microsoft.com/office/drawing/2010/main" val="0"/>
@@ -5289,7 +5242,7 @@
           <p:nvPr/>
         </p:nvPicPr>
         <p:blipFill>
-          <a:blip r:embed="rId6">
+          <a:blip r:embed="rId5">
             <a:extLst>
               <a:ext uri="{28A0092B-C50C-407E-A947-70E740481C1C}">
                 <a14:useLocalDpi xmlns:a14="http://schemas.microsoft.com/office/drawing/2010/main" val="0"/>
@@ -5336,7 +5289,7 @@
           <p:nvPr/>
         </p:nvPicPr>
         <p:blipFill>
-          <a:blip r:embed="rId7">
+          <a:blip r:embed="rId6">
             <a:extLst>
               <a:ext uri="{28A0092B-C50C-407E-A947-70E740481C1C}">
                 <a14:useLocalDpi xmlns:a14="http://schemas.microsoft.com/office/drawing/2010/main" val="0"/>
@@ -5383,7 +5336,7 @@
           <p:nvPr/>
         </p:nvPicPr>
         <p:blipFill>
-          <a:blip r:embed="rId8">
+          <a:blip r:embed="rId7">
             <a:extLst>
               <a:ext uri="{28A0092B-C50C-407E-A947-70E740481C1C}">
                 <a14:useLocalDpi xmlns:a14="http://schemas.microsoft.com/office/drawing/2010/main" val="0"/>
@@ -5430,7 +5383,7 @@
           <p:nvPr/>
         </p:nvPicPr>
         <p:blipFill>
-          <a:blip r:embed="rId8">
+          <a:blip r:embed="rId7">
             <a:extLst>
               <a:ext uri="{28A0092B-C50C-407E-A947-70E740481C1C}">
                 <a14:useLocalDpi xmlns:a14="http://schemas.microsoft.com/office/drawing/2010/main" val="0"/>
@@ -5477,7 +5430,7 @@
           <p:nvPr/>
         </p:nvPicPr>
         <p:blipFill>
-          <a:blip r:embed="rId4">
+          <a:blip r:embed="rId3">
             <a:extLst>
               <a:ext uri="{28A0092B-C50C-407E-A947-70E740481C1C}">
                 <a14:useLocalDpi xmlns:a14="http://schemas.microsoft.com/office/drawing/2010/main" val="0"/>
@@ -5524,7 +5477,7 @@
           <p:nvPr/>
         </p:nvPicPr>
         <p:blipFill>
-          <a:blip r:embed="rId5">
+          <a:blip r:embed="rId4">
             <a:extLst>
               <a:ext uri="{28A0092B-C50C-407E-A947-70E740481C1C}">
                 <a14:useLocalDpi xmlns:a14="http://schemas.microsoft.com/office/drawing/2010/main" val="0"/>
@@ -5571,7 +5524,7 @@
           <p:nvPr/>
         </p:nvPicPr>
         <p:blipFill>
-          <a:blip r:embed="rId7">
+          <a:blip r:embed="rId6">
             <a:extLst>
               <a:ext uri="{28A0092B-C50C-407E-A947-70E740481C1C}">
                 <a14:useLocalDpi xmlns:a14="http://schemas.microsoft.com/office/drawing/2010/main" val="0"/>
@@ -5618,7 +5571,7 @@
           <p:nvPr/>
         </p:nvPicPr>
         <p:blipFill>
-          <a:blip r:embed="rId4">
+          <a:blip r:embed="rId3">
             <a:extLst>
               <a:ext uri="{28A0092B-C50C-407E-A947-70E740481C1C}">
                 <a14:useLocalDpi xmlns:a14="http://schemas.microsoft.com/office/drawing/2010/main" val="0"/>
@@ -5665,7 +5618,7 @@
           <p:nvPr/>
         </p:nvPicPr>
         <p:blipFill>
-          <a:blip r:embed="rId5">
+          <a:blip r:embed="rId4">
             <a:extLst>
               <a:ext uri="{28A0092B-C50C-407E-A947-70E740481C1C}">
                 <a14:useLocalDpi xmlns:a14="http://schemas.microsoft.com/office/drawing/2010/main" val="0"/>
@@ -5712,7 +5665,7 @@
           <p:nvPr/>
         </p:nvPicPr>
         <p:blipFill>
-          <a:blip r:embed="rId6">
+          <a:blip r:embed="rId5">
             <a:extLst>
               <a:ext uri="{28A0092B-C50C-407E-A947-70E740481C1C}">
                 <a14:useLocalDpi xmlns:a14="http://schemas.microsoft.com/office/drawing/2010/main" val="0"/>
@@ -5759,7 +5712,7 @@
           <p:nvPr/>
         </p:nvPicPr>
         <p:blipFill>
-          <a:blip r:embed="rId6">
+          <a:blip r:embed="rId5">
             <a:extLst>
               <a:ext uri="{28A0092B-C50C-407E-A947-70E740481C1C}">
                 <a14:useLocalDpi xmlns:a14="http://schemas.microsoft.com/office/drawing/2010/main" val="0"/>
@@ -5806,7 +5759,7 @@
           <p:nvPr/>
         </p:nvPicPr>
         <p:blipFill>
-          <a:blip r:embed="rId8">
+          <a:blip r:embed="rId7">
             <a:extLst>
               <a:ext uri="{28A0092B-C50C-407E-A947-70E740481C1C}">
                 <a14:useLocalDpi xmlns:a14="http://schemas.microsoft.com/office/drawing/2010/main" val="0"/>
@@ -5853,7 +5806,7 @@
           <p:nvPr/>
         </p:nvPicPr>
         <p:blipFill>
-          <a:blip r:embed="rId4">
+          <a:blip r:embed="rId3">
             <a:extLst>
               <a:ext uri="{28A0092B-C50C-407E-A947-70E740481C1C}">
                 <a14:useLocalDpi xmlns:a14="http://schemas.microsoft.com/office/drawing/2010/main" val="0"/>
@@ -5900,7 +5853,7 @@
           <p:nvPr/>
         </p:nvPicPr>
         <p:blipFill>
-          <a:blip r:embed="rId9">
+          <a:blip r:embed="rId8">
             <a:extLst>
               <a:ext uri="{28A0092B-C50C-407E-A947-70E740481C1C}">
                 <a14:useLocalDpi xmlns:a14="http://schemas.microsoft.com/office/drawing/2010/main" val="0"/>
@@ -5947,7 +5900,7 @@
           <p:nvPr/>
         </p:nvPicPr>
         <p:blipFill>
-          <a:blip r:embed="rId9">
+          <a:blip r:embed="rId8">
             <a:extLst>
               <a:ext uri="{28A0092B-C50C-407E-A947-70E740481C1C}">
                 <a14:useLocalDpi xmlns:a14="http://schemas.microsoft.com/office/drawing/2010/main" val="0"/>
@@ -5994,7 +5947,7 @@
           <p:nvPr/>
         </p:nvPicPr>
         <p:blipFill>
-          <a:blip r:embed="rId9">
+          <a:blip r:embed="rId8">
             <a:extLst>
               <a:ext uri="{28A0092B-C50C-407E-A947-70E740481C1C}">
                 <a14:useLocalDpi xmlns:a14="http://schemas.microsoft.com/office/drawing/2010/main" val="0"/>
@@ -6041,7 +5994,7 @@
           <p:nvPr/>
         </p:nvPicPr>
         <p:blipFill>
-          <a:blip r:embed="rId9">
+          <a:blip r:embed="rId8">
             <a:extLst>
               <a:ext uri="{28A0092B-C50C-407E-A947-70E740481C1C}">
                 <a14:useLocalDpi xmlns:a14="http://schemas.microsoft.com/office/drawing/2010/main" val="0"/>
@@ -6088,7 +6041,7 @@
           <p:nvPr/>
         </p:nvPicPr>
         <p:blipFill>
-          <a:blip r:embed="rId9">
+          <a:blip r:embed="rId8">
             <a:extLst>
               <a:ext uri="{28A0092B-C50C-407E-A947-70E740481C1C}">
                 <a14:useLocalDpi xmlns:a14="http://schemas.microsoft.com/office/drawing/2010/main" val="0"/>
@@ -6135,7 +6088,7 @@
           <p:nvPr/>
         </p:nvPicPr>
         <p:blipFill>
-          <a:blip r:embed="rId10">
+          <a:blip r:embed="rId9">
             <a:extLst>
               <a:ext uri="{28A0092B-C50C-407E-A947-70E740481C1C}">
                 <a14:useLocalDpi xmlns:a14="http://schemas.microsoft.com/office/drawing/2010/main" val="0"/>
@@ -6182,7 +6135,7 @@
           <p:nvPr/>
         </p:nvPicPr>
         <p:blipFill>
-          <a:blip r:embed="rId9">
+          <a:blip r:embed="rId8">
             <a:extLst>
               <a:ext uri="{28A0092B-C50C-407E-A947-70E740481C1C}">
                 <a14:useLocalDpi xmlns:a14="http://schemas.microsoft.com/office/drawing/2010/main" val="0"/>
@@ -6229,7 +6182,7 @@
           <p:nvPr/>
         </p:nvPicPr>
         <p:blipFill>
-          <a:blip r:embed="rId10">
+          <a:blip r:embed="rId9">
             <a:extLst>
               <a:ext uri="{28A0092B-C50C-407E-A947-70E740481C1C}">
                 <a14:useLocalDpi xmlns:a14="http://schemas.microsoft.com/office/drawing/2010/main" val="0"/>
@@ -6276,7 +6229,7 @@
           <p:nvPr/>
         </p:nvPicPr>
         <p:blipFill>
-          <a:blip r:embed="rId9">
+          <a:blip r:embed="rId8">
             <a:extLst>
               <a:ext uri="{28A0092B-C50C-407E-A947-70E740481C1C}">
                 <a14:useLocalDpi xmlns:a14="http://schemas.microsoft.com/office/drawing/2010/main" val="0"/>
@@ -6323,7 +6276,7 @@
           <p:nvPr/>
         </p:nvPicPr>
         <p:blipFill>
-          <a:blip r:embed="rId10">
+          <a:blip r:embed="rId9">
             <a:extLst>
               <a:ext uri="{28A0092B-C50C-407E-A947-70E740481C1C}">
                 <a14:useLocalDpi xmlns:a14="http://schemas.microsoft.com/office/drawing/2010/main" val="0"/>
@@ -6370,7 +6323,7 @@
           <p:nvPr/>
         </p:nvPicPr>
         <p:blipFill>
-          <a:blip r:embed="rId9">
+          <a:blip r:embed="rId8">
             <a:extLst>
               <a:ext uri="{28A0092B-C50C-407E-A947-70E740481C1C}">
                 <a14:useLocalDpi xmlns:a14="http://schemas.microsoft.com/office/drawing/2010/main" val="0"/>
@@ -6417,7 +6370,7 @@
           <p:nvPr/>
         </p:nvPicPr>
         <p:blipFill>
-          <a:blip r:embed="rId10">
+          <a:blip r:embed="rId9">
             <a:extLst>
               <a:ext uri="{28A0092B-C50C-407E-A947-70E740481C1C}">
                 <a14:useLocalDpi xmlns:a14="http://schemas.microsoft.com/office/drawing/2010/main" val="0"/>
@@ -6464,7 +6417,7 @@
           <p:nvPr/>
         </p:nvPicPr>
         <p:blipFill>
-          <a:blip r:embed="rId9">
+          <a:blip r:embed="rId8">
             <a:extLst>
               <a:ext uri="{28A0092B-C50C-407E-A947-70E740481C1C}">
                 <a14:useLocalDpi xmlns:a14="http://schemas.microsoft.com/office/drawing/2010/main" val="0"/>
@@ -6511,7 +6464,7 @@
           <p:nvPr/>
         </p:nvPicPr>
         <p:blipFill>
-          <a:blip r:embed="rId10">
+          <a:blip r:embed="rId9">
             <a:extLst>
               <a:ext uri="{28A0092B-C50C-407E-A947-70E740481C1C}">
                 <a14:useLocalDpi xmlns:a14="http://schemas.microsoft.com/office/drawing/2010/main" val="0"/>
@@ -6558,7 +6511,7 @@
           <p:nvPr/>
         </p:nvPicPr>
         <p:blipFill>
-          <a:blip r:embed="rId9">
+          <a:blip r:embed="rId8">
             <a:extLst>
               <a:ext uri="{28A0092B-C50C-407E-A947-70E740481C1C}">
                 <a14:useLocalDpi xmlns:a14="http://schemas.microsoft.com/office/drawing/2010/main" val="0"/>
@@ -6605,7 +6558,7 @@
           <p:nvPr/>
         </p:nvPicPr>
         <p:blipFill>
-          <a:blip r:embed="rId10">
+          <a:blip r:embed="rId9">
             <a:extLst>
               <a:ext uri="{28A0092B-C50C-407E-A947-70E740481C1C}">
                 <a14:useLocalDpi xmlns:a14="http://schemas.microsoft.com/office/drawing/2010/main" val="0"/>
@@ -6652,7 +6605,7 @@
           <p:nvPr/>
         </p:nvPicPr>
         <p:blipFill>
-          <a:blip r:embed="rId9">
+          <a:blip r:embed="rId8">
             <a:extLst>
               <a:ext uri="{28A0092B-C50C-407E-A947-70E740481C1C}">
                 <a14:useLocalDpi xmlns:a14="http://schemas.microsoft.com/office/drawing/2010/main" val="0"/>
@@ -6699,7 +6652,7 @@
           <p:nvPr/>
         </p:nvPicPr>
         <p:blipFill>
-          <a:blip r:embed="rId10">
+          <a:blip r:embed="rId9">
             <a:extLst>
               <a:ext uri="{28A0092B-C50C-407E-A947-70E740481C1C}">
                 <a14:useLocalDpi xmlns:a14="http://schemas.microsoft.com/office/drawing/2010/main" val="0"/>
@@ -6746,7 +6699,7 @@
           <p:nvPr/>
         </p:nvPicPr>
         <p:blipFill>
-          <a:blip r:embed="rId9">
+          <a:blip r:embed="rId8">
             <a:extLst>
               <a:ext uri="{28A0092B-C50C-407E-A947-70E740481C1C}">
                 <a14:useLocalDpi xmlns:a14="http://schemas.microsoft.com/office/drawing/2010/main" val="0"/>
@@ -6793,7 +6746,7 @@
           <p:nvPr/>
         </p:nvPicPr>
         <p:blipFill>
-          <a:blip r:embed="rId10">
+          <a:blip r:embed="rId9">
             <a:extLst>
               <a:ext uri="{28A0092B-C50C-407E-A947-70E740481C1C}">
                 <a14:useLocalDpi xmlns:a14="http://schemas.microsoft.com/office/drawing/2010/main" val="0"/>
@@ -6840,7 +6793,7 @@
           <p:nvPr/>
         </p:nvPicPr>
         <p:blipFill>
-          <a:blip r:embed="rId9">
+          <a:blip r:embed="rId8">
             <a:extLst>
               <a:ext uri="{28A0092B-C50C-407E-A947-70E740481C1C}">
                 <a14:useLocalDpi xmlns:a14="http://schemas.microsoft.com/office/drawing/2010/main" val="0"/>
@@ -6887,7 +6840,7 @@
           <p:nvPr/>
         </p:nvPicPr>
         <p:blipFill>
-          <a:blip r:embed="rId10">
+          <a:blip r:embed="rId9">
             <a:extLst>
               <a:ext uri="{28A0092B-C50C-407E-A947-70E740481C1C}">
                 <a14:useLocalDpi xmlns:a14="http://schemas.microsoft.com/office/drawing/2010/main" val="0"/>
@@ -6934,7 +6887,7 @@
           <p:nvPr/>
         </p:nvPicPr>
         <p:blipFill>
-          <a:blip r:embed="rId9">
+          <a:blip r:embed="rId8">
             <a:extLst>
               <a:ext uri="{28A0092B-C50C-407E-A947-70E740481C1C}">
                 <a14:useLocalDpi xmlns:a14="http://schemas.microsoft.com/office/drawing/2010/main" val="0"/>
@@ -6981,7 +6934,7 @@
           <p:nvPr/>
         </p:nvPicPr>
         <p:blipFill>
-          <a:blip r:embed="rId10">
+          <a:blip r:embed="rId9">
             <a:extLst>
               <a:ext uri="{28A0092B-C50C-407E-A947-70E740481C1C}">
                 <a14:useLocalDpi xmlns:a14="http://schemas.microsoft.com/office/drawing/2010/main" val="0"/>
@@ -7028,7 +6981,7 @@
           <p:nvPr/>
         </p:nvPicPr>
         <p:blipFill>
-          <a:blip r:embed="rId10">
+          <a:blip r:embed="rId9">
             <a:extLst>
               <a:ext uri="{28A0092B-C50C-407E-A947-70E740481C1C}">
                 <a14:useLocalDpi xmlns:a14="http://schemas.microsoft.com/office/drawing/2010/main" val="0"/>
@@ -7075,7 +7028,7 @@
           <p:nvPr/>
         </p:nvPicPr>
         <p:blipFill>
-          <a:blip r:embed="rId10">
+          <a:blip r:embed="rId9">
             <a:extLst>
               <a:ext uri="{28A0092B-C50C-407E-A947-70E740481C1C}">
                 <a14:useLocalDpi xmlns:a14="http://schemas.microsoft.com/office/drawing/2010/main" val="0"/>
@@ -7122,7 +7075,7 @@
           <p:nvPr/>
         </p:nvPicPr>
         <p:blipFill>
-          <a:blip r:embed="rId10">
+          <a:blip r:embed="rId9">
             <a:extLst>
               <a:ext uri="{28A0092B-C50C-407E-A947-70E740481C1C}">
                 <a14:useLocalDpi xmlns:a14="http://schemas.microsoft.com/office/drawing/2010/main" val="0"/>
@@ -7169,7 +7122,7 @@
           <p:nvPr/>
         </p:nvPicPr>
         <p:blipFill>
-          <a:blip r:embed="rId10">
+          <a:blip r:embed="rId9">
             <a:extLst>
               <a:ext uri="{28A0092B-C50C-407E-A947-70E740481C1C}">
                 <a14:useLocalDpi xmlns:a14="http://schemas.microsoft.com/office/drawing/2010/main" val="0"/>
@@ -7216,7 +7169,7 @@
           <p:nvPr/>
         </p:nvPicPr>
         <p:blipFill>
-          <a:blip r:embed="rId10">
+          <a:blip r:embed="rId9">
             <a:extLst>
               <a:ext uri="{28A0092B-C50C-407E-A947-70E740481C1C}">
                 <a14:useLocalDpi xmlns:a14="http://schemas.microsoft.com/office/drawing/2010/main" val="0"/>
@@ -7263,7 +7216,7 @@
           <p:nvPr/>
         </p:nvPicPr>
         <p:blipFill>
-          <a:blip r:embed="rId11"/>
+          <a:blip r:embed="rId10"/>
           <a:stretch>
             <a:fillRect/>
           </a:stretch>
@@ -7284,6 +7237,71 @@
             <a:extLst>
               <a:ext uri="{FF2B5EF4-FFF2-40B4-BE49-F238E27FC236}">
                 <a16:creationId xmlns:a16="http://schemas.microsoft.com/office/drawing/2014/main" id="{16C372FE-F320-4EBE-9ABB-E306537D4C74}"/>
+              </a:ext>
+            </a:extLst>
+          </p:cNvPr>
+          <p:cNvPicPr>
+            <a:picLocks noChangeAspect="1"/>
+          </p:cNvPicPr>
+          <p:nvPr/>
+        </p:nvPicPr>
+        <p:blipFill>
+          <a:blip r:embed="rId11"/>
+          <a:stretch>
+            <a:fillRect/>
+          </a:stretch>
+        </p:blipFill>
+        <p:spPr>
+          <a:xfrm>
+            <a:off x="6199757" y="4415866"/>
+            <a:ext cx="3639672" cy="1441310"/>
+          </a:xfrm>
+          <a:prstGeom prst="rect">
+            <a:avLst/>
+          </a:prstGeom>
+        </p:spPr>
+      </p:pic>
+      <p:sp>
+        <p:nvSpPr>
+          <p:cNvPr id="55" name="TextBox 54">
+            <a:extLst>
+              <a:ext uri="{FF2B5EF4-FFF2-40B4-BE49-F238E27FC236}">
+                <a16:creationId xmlns:a16="http://schemas.microsoft.com/office/drawing/2014/main" id="{EC04C8FD-6617-42D2-B7E8-1906464DFF5D}"/>
+              </a:ext>
+            </a:extLst>
+          </p:cNvPr>
+          <p:cNvSpPr txBox="1"/>
+          <p:nvPr/>
+        </p:nvSpPr>
+        <p:spPr>
+          <a:xfrm>
+            <a:off x="6016791" y="5874000"/>
+            <a:ext cx="7608570" cy="369332"/>
+          </a:xfrm>
+          <a:prstGeom prst="rect">
+            <a:avLst/>
+          </a:prstGeom>
+          <a:noFill/>
+        </p:spPr>
+        <p:txBody>
+          <a:bodyPr wrap="square">
+            <a:spAutoFit/>
+          </a:bodyPr>
+          <a:lstStyle/>
+          <a:p>
+            <a:r>
+              <a:rPr lang="en-US" dirty="0"/>
+              <a:t>https://ascelibrary.org/doi/10.1061/JTEPBS.0000420</a:t>
+            </a:r>
+          </a:p>
+        </p:txBody>
+      </p:sp>
+      <p:pic>
+        <p:nvPicPr>
+          <p:cNvPr id="7" name="Picture 6">
+            <a:extLst>
+              <a:ext uri="{FF2B5EF4-FFF2-40B4-BE49-F238E27FC236}">
+                <a16:creationId xmlns:a16="http://schemas.microsoft.com/office/drawing/2014/main" id="{C3E88C9D-A636-49FD-9D20-616AF72DDDD9}"/>
               </a:ext>
             </a:extLst>
           </p:cNvPr>
@@ -7299,50 +7317,15 @@
           </a:stretch>
         </p:blipFill>
         <p:spPr>
-          <a:xfrm>
-            <a:off x="6199757" y="4415866"/>
-            <a:ext cx="3639672" cy="1441310"/>
+          <a:xfrm rot="6249614">
+            <a:off x="9352452" y="811884"/>
+            <a:ext cx="2574963" cy="2136671"/>
           </a:xfrm>
           <a:prstGeom prst="rect">
             <a:avLst/>
           </a:prstGeom>
         </p:spPr>
       </p:pic>
-      <p:sp>
-        <p:nvSpPr>
-          <p:cNvPr id="55" name="TextBox 54">
-            <a:extLst>
-              <a:ext uri="{FF2B5EF4-FFF2-40B4-BE49-F238E27FC236}">
-                <a16:creationId xmlns:a16="http://schemas.microsoft.com/office/drawing/2014/main" id="{EC04C8FD-6617-42D2-B7E8-1906464DFF5D}"/>
-              </a:ext>
-            </a:extLst>
-          </p:cNvPr>
-          <p:cNvSpPr txBox="1"/>
-          <p:nvPr/>
-        </p:nvSpPr>
-        <p:spPr>
-          <a:xfrm>
-            <a:off x="6016791" y="5874000"/>
-            <a:ext cx="7608570" cy="369332"/>
-          </a:xfrm>
-          <a:prstGeom prst="rect">
-            <a:avLst/>
-          </a:prstGeom>
-          <a:noFill/>
-        </p:spPr>
-        <p:txBody>
-          <a:bodyPr wrap="square">
-            <a:spAutoFit/>
-          </a:bodyPr>
-          <a:lstStyle/>
-          <a:p>
-            <a:r>
-              <a:rPr lang="en-US" dirty="0"/>
-              <a:t>https://ascelibrary.org/doi/10.1061/JTEPBS.0000420</a:t>
-            </a:r>
-          </a:p>
-        </p:txBody>
-      </p:sp>
     </p:spTree>
     <p:extLst>
       <p:ext uri="{BB962C8B-B14F-4D97-AF65-F5344CB8AC3E}">
@@ -7373,31 +7356,6 @@
           <a:chExt cx="0" cy="0"/>
         </a:xfrm>
       </p:grpSpPr>
-      <p:sp>
-        <p:nvSpPr>
-          <p:cNvPr id="2" name="Title 1">
-            <a:extLst>
-              <a:ext uri="{FF2B5EF4-FFF2-40B4-BE49-F238E27FC236}">
-                <a16:creationId xmlns:a16="http://schemas.microsoft.com/office/drawing/2014/main" id="{A9ACFCA3-E772-41C0-9F67-9DD19CD46F13}"/>
-              </a:ext>
-            </a:extLst>
-          </p:cNvPr>
-          <p:cNvSpPr>
-            <a:spLocks noGrp="1"/>
-          </p:cNvSpPr>
-          <p:nvPr>
-            <p:ph type="title"/>
-          </p:nvPr>
-        </p:nvSpPr>
-        <p:spPr/>
-        <p:txBody>
-          <a:bodyPr/>
-          <a:lstStyle/>
-          <a:p>
-            <a:endParaRPr lang="en-US"/>
-          </a:p>
-        </p:txBody>
-      </p:sp>
       <p:sp>
         <p:nvSpPr>
           <p:cNvPr id="3" name="Content Placeholder 2">
